--- a/뉴스트렌드분석/뉴스트렌드분석.pptx
+++ b/뉴스트렌드분석/뉴스트렌드분석.pptx
@@ -3994,106 +3994,357 @@
       </p:grpSp>
       <p:sp>
         <p:nvSpPr>
-          <p:cNvPr id="2" name="타원 1">
+          <p:cNvPr id="4" name="TextBox 3">
             <a:hlinkClick r:id="rId22"/>
             <a:extLst>
               <a:ext uri="{FF2B5EF4-FFF2-40B4-BE49-F238E27FC236}">
-                <a16:creationId xmlns:a16="http://schemas.microsoft.com/office/drawing/2014/main" id="{16A57058-AFB6-4C28-830E-3045DB40207E}"/>
+                <a16:creationId xmlns:a16="http://schemas.microsoft.com/office/drawing/2014/main" id="{CA6491DC-B6A4-4FE7-AE58-4CE2FF9555E5}"/>
               </a:ext>
             </a:extLst>
           </p:cNvPr>
-          <p:cNvSpPr/>
+          <p:cNvSpPr txBox="1"/>
           <p:nvPr/>
         </p:nvSpPr>
         <p:spPr>
           <a:xfrm>
-            <a:off x="15076307" y="7143772"/>
-            <a:ext cx="2519794" cy="2133601"/>
-          </a:xfrm>
-          <a:prstGeom prst="ellipse">
-            <a:avLst/>
-          </a:prstGeom>
-          <a:blipFill dpi="0" rotWithShape="1">
-            <a:blip r:embed="rId23">
-              <a:extLst>
-                <a:ext uri="{28A0092B-C50C-407E-A947-70E740481C1C}">
-                  <a14:useLocalDpi xmlns:a14="http://schemas.microsoft.com/office/drawing/2010/main" val="0"/>
-                </a:ext>
-              </a:extLst>
-            </a:blip>
-            <a:srcRect/>
-            <a:stretch>
-              <a:fillRect/>
-            </a:stretch>
-          </a:blipFill>
-          <a:ln>
-            <a:noFill/>
-          </a:ln>
-        </p:spPr>
-        <p:style>
-          <a:lnRef idx="2">
-            <a:schemeClr val="accent1">
-              <a:shade val="50000"/>
-            </a:schemeClr>
-          </a:lnRef>
-          <a:fillRef idx="1">
-            <a:schemeClr val="accent1"/>
-          </a:fillRef>
-          <a:effectRef idx="0">
-            <a:schemeClr val="accent1"/>
-          </a:effectRef>
-          <a:fontRef idx="minor">
-            <a:schemeClr val="lt1"/>
-          </a:fontRef>
-        </p:style>
-        <p:txBody>
-          <a:bodyPr rtlCol="0" anchor="ctr"/>
-          <a:lstStyle/>
-          <a:p>
-            <a:pPr algn="ctr"/>
-            <a:endParaRPr lang="ko-KR" altLang="en-US"/>
-          </a:p>
-        </p:txBody>
-      </p:sp>
-      <p:pic>
-        <p:nvPicPr>
-          <p:cNvPr id="6" name="그래픽 5" descr="직선 화살표">
-            <a:extLst>
-              <a:ext uri="{FF2B5EF4-FFF2-40B4-BE49-F238E27FC236}">
-                <a16:creationId xmlns:a16="http://schemas.microsoft.com/office/drawing/2014/main" id="{321E6549-6981-4253-A964-E2406911A549}"/>
-              </a:ext>
-            </a:extLst>
-          </p:cNvPr>
-          <p:cNvPicPr>
-            <a:picLocks noChangeAspect="1"/>
-          </p:cNvPicPr>
-          <p:nvPr/>
-        </p:nvPicPr>
-        <p:blipFill>
-          <a:blip r:embed="rId24">
-            <a:extLst>
-              <a:ext uri="{28A0092B-C50C-407E-A947-70E740481C1C}">
-                <a14:useLocalDpi xmlns:a14="http://schemas.microsoft.com/office/drawing/2010/main" val="0"/>
-              </a:ext>
-              <a:ext uri="{96DAC541-7B7A-43D3-8B79-37D633B846F1}">
-                <asvg:svgBlip xmlns:asvg="http://schemas.microsoft.com/office/drawing/2016/SVG/main" r:embed="rId25"/>
-              </a:ext>
-            </a:extLst>
-          </a:blip>
-          <a:stretch>
-            <a:fillRect/>
-          </a:stretch>
-        </p:blipFill>
-        <p:spPr>
-          <a:xfrm rot="16200000">
-            <a:off x="15597602" y="4959950"/>
-            <a:ext cx="1477204" cy="1477204"/>
+            <a:off x="14556515" y="4598535"/>
+            <a:ext cx="3215866" cy="4893647"/>
           </a:xfrm>
           <a:prstGeom prst="rect">
             <a:avLst/>
           </a:prstGeom>
-        </p:spPr>
-      </p:pic>
+          <a:noFill/>
+          <a:ln w="28575">
+            <a:solidFill>
+              <a:schemeClr val="tx1">
+                <a:lumMod val="50000"/>
+                <a:lumOff val="50000"/>
+              </a:schemeClr>
+            </a:solidFill>
+          </a:ln>
+        </p:spPr>
+        <p:txBody>
+          <a:bodyPr wrap="square" rtlCol="0">
+            <a:spAutoFit/>
+          </a:bodyPr>
+          <a:lstStyle/>
+          <a:p>
+            <a:pPr marL="342900" indent="-342900">
+              <a:buFont typeface="+mj-lt"/>
+              <a:buAutoNum type="arabicPeriod"/>
+            </a:pPr>
+            <a:r>
+              <a:rPr lang="ko-KR" altLang="en-US" sz="2400" dirty="0">
+                <a:latin typeface="에스코어 드림 4 Regular" panose="020B0503030302020204" pitchFamily="34" charset="-127"/>
+                <a:ea typeface="에스코어 드림 4 Regular" panose="020B0503030302020204" pitchFamily="34" charset="-127"/>
+              </a:rPr>
+              <a:t>코로나</a:t>
+            </a:r>
+            <a:endParaRPr lang="en-US" altLang="ko-KR" sz="2400" dirty="0">
+              <a:latin typeface="에스코어 드림 4 Regular" panose="020B0503030302020204" pitchFamily="34" charset="-127"/>
+              <a:ea typeface="에스코어 드림 4 Regular" panose="020B0503030302020204" pitchFamily="34" charset="-127"/>
+            </a:endParaRPr>
+          </a:p>
+          <a:p>
+            <a:pPr marL="342900" indent="-342900">
+              <a:buFont typeface="+mj-lt"/>
+              <a:buAutoNum type="arabicPeriod"/>
+            </a:pPr>
+            <a:r>
+              <a:rPr lang="ko-KR" altLang="en-US" sz="2400" dirty="0">
+                <a:latin typeface="에스코어 드림 4 Regular" panose="020B0503030302020204" pitchFamily="34" charset="-127"/>
+                <a:ea typeface="에스코어 드림 4 Regular" panose="020B0503030302020204" pitchFamily="34" charset="-127"/>
+              </a:rPr>
+              <a:t>선거</a:t>
+            </a:r>
+            <a:r>
+              <a:rPr lang="en-US" altLang="ko-KR" sz="2400" dirty="0">
+                <a:latin typeface="에스코어 드림 4 Regular" panose="020B0503030302020204" pitchFamily="34" charset="-127"/>
+                <a:ea typeface="에스코어 드림 4 Regular" panose="020B0503030302020204" pitchFamily="34" charset="-127"/>
+              </a:rPr>
+              <a:t>/</a:t>
+            </a:r>
+            <a:r>
+              <a:rPr lang="ko-KR" altLang="en-US" sz="2400" dirty="0">
+                <a:latin typeface="에스코어 드림 4 Regular" panose="020B0503030302020204" pitchFamily="34" charset="-127"/>
+                <a:ea typeface="에스코어 드림 4 Regular" panose="020B0503030302020204" pitchFamily="34" charset="-127"/>
+              </a:rPr>
+              <a:t>정치</a:t>
+            </a:r>
+            <a:endParaRPr lang="en-US" altLang="ko-KR" sz="2400" dirty="0">
+              <a:latin typeface="에스코어 드림 4 Regular" panose="020B0503030302020204" pitchFamily="34" charset="-127"/>
+              <a:ea typeface="에스코어 드림 4 Regular" panose="020B0503030302020204" pitchFamily="34" charset="-127"/>
+            </a:endParaRPr>
+          </a:p>
+          <a:p>
+            <a:pPr marL="342900" indent="-342900">
+              <a:buFont typeface="+mj-lt"/>
+              <a:buAutoNum type="arabicPeriod"/>
+            </a:pPr>
+            <a:r>
+              <a:rPr lang="ko-KR" altLang="en-US" sz="2400" dirty="0">
+                <a:latin typeface="에스코어 드림 4 Regular" panose="020B0503030302020204" pitchFamily="34" charset="-127"/>
+                <a:ea typeface="에스코어 드림 4 Regular" panose="020B0503030302020204" pitchFamily="34" charset="-127"/>
+              </a:rPr>
+              <a:t>사고재해</a:t>
+            </a:r>
+            <a:endParaRPr lang="en-US" altLang="ko-KR" sz="2400" dirty="0">
+              <a:latin typeface="에스코어 드림 4 Regular" panose="020B0503030302020204" pitchFamily="34" charset="-127"/>
+              <a:ea typeface="에스코어 드림 4 Regular" panose="020B0503030302020204" pitchFamily="34" charset="-127"/>
+            </a:endParaRPr>
+          </a:p>
+          <a:p>
+            <a:pPr marL="342900" indent="-342900">
+              <a:buFont typeface="+mj-lt"/>
+              <a:buAutoNum type="arabicPeriod"/>
+            </a:pPr>
+            <a:r>
+              <a:rPr lang="ko-KR" altLang="en-US" sz="2400" dirty="0">
+                <a:latin typeface="에스코어 드림 4 Regular" panose="020B0503030302020204" pitchFamily="34" charset="-127"/>
+                <a:ea typeface="에스코어 드림 4 Regular" panose="020B0503030302020204" pitchFamily="34" charset="-127"/>
+              </a:rPr>
+              <a:t>위안부</a:t>
+            </a:r>
+            <a:r>
+              <a:rPr lang="en-US" altLang="ko-KR" sz="2400" dirty="0">
+                <a:latin typeface="에스코어 드림 4 Regular" panose="020B0503030302020204" pitchFamily="34" charset="-127"/>
+                <a:ea typeface="에스코어 드림 4 Regular" panose="020B0503030302020204" pitchFamily="34" charset="-127"/>
+              </a:rPr>
+              <a:t>/</a:t>
+            </a:r>
+            <a:r>
+              <a:rPr lang="ko-KR" altLang="en-US" sz="2400" dirty="0">
+                <a:latin typeface="에스코어 드림 4 Regular" panose="020B0503030302020204" pitchFamily="34" charset="-127"/>
+                <a:ea typeface="에스코어 드림 4 Regular" panose="020B0503030302020204" pitchFamily="34" charset="-127"/>
+              </a:rPr>
+              <a:t>여성</a:t>
+            </a:r>
+            <a:endParaRPr lang="en-US" altLang="ko-KR" sz="2400" dirty="0">
+              <a:latin typeface="에스코어 드림 4 Regular" panose="020B0503030302020204" pitchFamily="34" charset="-127"/>
+              <a:ea typeface="에스코어 드림 4 Regular" panose="020B0503030302020204" pitchFamily="34" charset="-127"/>
+            </a:endParaRPr>
+          </a:p>
+          <a:p>
+            <a:pPr marL="342900" indent="-342900">
+              <a:buFont typeface="+mj-lt"/>
+              <a:buAutoNum type="arabicPeriod"/>
+            </a:pPr>
+            <a:r>
+              <a:rPr lang="ko-KR" altLang="en-US" sz="2400" dirty="0">
+                <a:latin typeface="에스코어 드림 4 Regular" panose="020B0503030302020204" pitchFamily="34" charset="-127"/>
+                <a:ea typeface="에스코어 드림 4 Regular" panose="020B0503030302020204" pitchFamily="34" charset="-127"/>
+              </a:rPr>
+              <a:t>코로나</a:t>
+            </a:r>
+            <a:r>
+              <a:rPr lang="en-US" altLang="ko-KR" sz="2400" dirty="0">
+                <a:latin typeface="에스코어 드림 4 Regular" panose="020B0503030302020204" pitchFamily="34" charset="-127"/>
+                <a:ea typeface="에스코어 드림 4 Regular" panose="020B0503030302020204" pitchFamily="34" charset="-127"/>
+              </a:rPr>
+              <a:t>/</a:t>
+            </a:r>
+            <a:r>
+              <a:rPr lang="ko-KR" altLang="en-US" sz="2400" dirty="0">
+                <a:latin typeface="에스코어 드림 4 Regular" panose="020B0503030302020204" pitchFamily="34" charset="-127"/>
+                <a:ea typeface="에스코어 드림 4 Regular" panose="020B0503030302020204" pitchFamily="34" charset="-127"/>
+              </a:rPr>
+              <a:t>정부지원</a:t>
+            </a:r>
+            <a:endParaRPr lang="en-US" altLang="ko-KR" sz="2400" dirty="0">
+              <a:latin typeface="에스코어 드림 4 Regular" panose="020B0503030302020204" pitchFamily="34" charset="-127"/>
+              <a:ea typeface="에스코어 드림 4 Regular" panose="020B0503030302020204" pitchFamily="34" charset="-127"/>
+            </a:endParaRPr>
+          </a:p>
+          <a:p>
+            <a:pPr marL="342900" indent="-342900">
+              <a:buFont typeface="+mj-lt"/>
+              <a:buAutoNum type="arabicPeriod"/>
+            </a:pPr>
+            <a:r>
+              <a:rPr lang="ko-KR" altLang="en-US" sz="2400" dirty="0">
+                <a:latin typeface="에스코어 드림 4 Regular" panose="020B0503030302020204" pitchFamily="34" charset="-127"/>
+                <a:ea typeface="에스코어 드림 4 Regular" panose="020B0503030302020204" pitchFamily="34" charset="-127"/>
+              </a:rPr>
+              <a:t>코로나</a:t>
+            </a:r>
+            <a:r>
+              <a:rPr lang="en-US" altLang="ko-KR" sz="2400" dirty="0">
+                <a:latin typeface="에스코어 드림 4 Regular" panose="020B0503030302020204" pitchFamily="34" charset="-127"/>
+                <a:ea typeface="에스코어 드림 4 Regular" panose="020B0503030302020204" pitchFamily="34" charset="-127"/>
+              </a:rPr>
+              <a:t>/</a:t>
+            </a:r>
+            <a:r>
+              <a:rPr lang="ko-KR" altLang="en-US" sz="2400" dirty="0">
+                <a:latin typeface="에스코어 드림 4 Regular" panose="020B0503030302020204" pitchFamily="34" charset="-127"/>
+                <a:ea typeface="에스코어 드림 4 Regular" panose="020B0503030302020204" pitchFamily="34" charset="-127"/>
+              </a:rPr>
+              <a:t>방역</a:t>
+            </a:r>
+            <a:endParaRPr lang="en-US" altLang="ko-KR" sz="2400" dirty="0">
+              <a:latin typeface="에스코어 드림 4 Regular" panose="020B0503030302020204" pitchFamily="34" charset="-127"/>
+              <a:ea typeface="에스코어 드림 4 Regular" panose="020B0503030302020204" pitchFamily="34" charset="-127"/>
+            </a:endParaRPr>
+          </a:p>
+          <a:p>
+            <a:pPr marL="342900" indent="-342900">
+              <a:buFont typeface="+mj-lt"/>
+              <a:buAutoNum type="arabicPeriod"/>
+            </a:pPr>
+            <a:r>
+              <a:rPr lang="ko-KR" altLang="en-US" sz="2400" dirty="0">
+                <a:latin typeface="에스코어 드림 4 Regular" panose="020B0503030302020204" pitchFamily="34" charset="-127"/>
+                <a:ea typeface="에스코어 드림 4 Regular" panose="020B0503030302020204" pitchFamily="34" charset="-127"/>
+              </a:rPr>
+              <a:t>북한</a:t>
+            </a:r>
+            <a:r>
+              <a:rPr lang="en-US" altLang="ko-KR" sz="2400" dirty="0">
+                <a:latin typeface="에스코어 드림 4 Regular" panose="020B0503030302020204" pitchFamily="34" charset="-127"/>
+                <a:ea typeface="에스코어 드림 4 Regular" panose="020B0503030302020204" pitchFamily="34" charset="-127"/>
+              </a:rPr>
+              <a:t>/</a:t>
+            </a:r>
+            <a:r>
+              <a:rPr lang="ko-KR" altLang="en-US" sz="2400" dirty="0">
+                <a:latin typeface="에스코어 드림 4 Regular" panose="020B0503030302020204" pitchFamily="34" charset="-127"/>
+                <a:ea typeface="에스코어 드림 4 Regular" panose="020B0503030302020204" pitchFamily="34" charset="-127"/>
+              </a:rPr>
+              <a:t>국내외정세</a:t>
+            </a:r>
+            <a:endParaRPr lang="en-US" altLang="ko-KR" sz="2400" dirty="0">
+              <a:latin typeface="에스코어 드림 4 Regular" panose="020B0503030302020204" pitchFamily="34" charset="-127"/>
+              <a:ea typeface="에스코어 드림 4 Regular" panose="020B0503030302020204" pitchFamily="34" charset="-127"/>
+            </a:endParaRPr>
+          </a:p>
+          <a:p>
+            <a:pPr marL="342900" indent="-342900">
+              <a:buFont typeface="+mj-lt"/>
+              <a:buAutoNum type="arabicPeriod"/>
+            </a:pPr>
+            <a:r>
+              <a:rPr lang="ko-KR" altLang="en-US" sz="2400" dirty="0">
+                <a:latin typeface="에스코어 드림 4 Regular" panose="020B0503030302020204" pitchFamily="34" charset="-127"/>
+                <a:ea typeface="에스코어 드림 4 Regular" panose="020B0503030302020204" pitchFamily="34" charset="-127"/>
+              </a:rPr>
+              <a:t>한국영화</a:t>
+            </a:r>
+            <a:r>
+              <a:rPr lang="en-US" altLang="ko-KR" sz="2400" dirty="0">
+                <a:latin typeface="에스코어 드림 4 Regular" panose="020B0503030302020204" pitchFamily="34" charset="-127"/>
+                <a:ea typeface="에스코어 드림 4 Regular" panose="020B0503030302020204" pitchFamily="34" charset="-127"/>
+              </a:rPr>
+              <a:t>/</a:t>
+            </a:r>
+            <a:r>
+              <a:rPr lang="ko-KR" altLang="en-US" sz="2400" dirty="0">
+                <a:latin typeface="에스코어 드림 4 Regular" panose="020B0503030302020204" pitchFamily="34" charset="-127"/>
+                <a:ea typeface="에스코어 드림 4 Regular" panose="020B0503030302020204" pitchFamily="34" charset="-127"/>
+              </a:rPr>
+              <a:t>기생충</a:t>
+            </a:r>
+            <a:endParaRPr lang="en-US" altLang="ko-KR" sz="2400" dirty="0">
+              <a:latin typeface="에스코어 드림 4 Regular" panose="020B0503030302020204" pitchFamily="34" charset="-127"/>
+              <a:ea typeface="에스코어 드림 4 Regular" panose="020B0503030302020204" pitchFamily="34" charset="-127"/>
+            </a:endParaRPr>
+          </a:p>
+          <a:p>
+            <a:pPr marL="342900" indent="-342900">
+              <a:buFont typeface="+mj-lt"/>
+              <a:buAutoNum type="arabicPeriod"/>
+            </a:pPr>
+            <a:r>
+              <a:rPr lang="ko-KR" altLang="en-US" sz="2400" dirty="0">
+                <a:latin typeface="에스코어 드림 4 Regular" panose="020B0503030302020204" pitchFamily="34" charset="-127"/>
+                <a:ea typeface="에스코어 드림 4 Regular" panose="020B0503030302020204" pitchFamily="34" charset="-127"/>
+              </a:rPr>
+              <a:t>코로나 확진</a:t>
+            </a:r>
+            <a:endParaRPr lang="en-US" altLang="ko-KR" sz="2400" dirty="0">
+              <a:latin typeface="에스코어 드림 4 Regular" panose="020B0503030302020204" pitchFamily="34" charset="-127"/>
+              <a:ea typeface="에스코어 드림 4 Regular" panose="020B0503030302020204" pitchFamily="34" charset="-127"/>
+            </a:endParaRPr>
+          </a:p>
+          <a:p>
+            <a:pPr marL="342900" indent="-342900">
+              <a:buFont typeface="+mj-lt"/>
+              <a:buAutoNum type="arabicPeriod"/>
+            </a:pPr>
+            <a:r>
+              <a:rPr lang="ko-KR" altLang="en-US" sz="2400" dirty="0">
+                <a:latin typeface="에스코어 드림 4 Regular" panose="020B0503030302020204" pitchFamily="34" charset="-127"/>
+                <a:ea typeface="에스코어 드림 4 Regular" panose="020B0503030302020204" pitchFamily="34" charset="-127"/>
+              </a:rPr>
+              <a:t>코로나 경제</a:t>
+            </a:r>
+            <a:endParaRPr lang="en-US" altLang="ko-KR" sz="2400" dirty="0">
+              <a:latin typeface="에스코어 드림 4 Regular" panose="020B0503030302020204" pitchFamily="34" charset="-127"/>
+              <a:ea typeface="에스코어 드림 4 Regular" panose="020B0503030302020204" pitchFamily="34" charset="-127"/>
+            </a:endParaRPr>
+          </a:p>
+          <a:p>
+            <a:pPr marL="342900" indent="-342900">
+              <a:buFont typeface="+mj-lt"/>
+              <a:buAutoNum type="arabicPeriod"/>
+            </a:pPr>
+            <a:r>
+              <a:rPr lang="ko-KR" altLang="en-US" sz="2400" dirty="0">
+                <a:latin typeface="에스코어 드림 4 Regular" panose="020B0503030302020204" pitchFamily="34" charset="-127"/>
+                <a:ea typeface="에스코어 드림 4 Regular" panose="020B0503030302020204" pitchFamily="34" charset="-127"/>
+              </a:rPr>
+              <a:t>정치</a:t>
+            </a:r>
+            <a:endParaRPr lang="en-US" altLang="ko-KR" sz="2400" dirty="0">
+              <a:latin typeface="에스코어 드림 4 Regular" panose="020B0503030302020204" pitchFamily="34" charset="-127"/>
+              <a:ea typeface="에스코어 드림 4 Regular" panose="020B0503030302020204" pitchFamily="34" charset="-127"/>
+            </a:endParaRPr>
+          </a:p>
+          <a:p>
+            <a:pPr marL="342900" indent="-342900">
+              <a:buFont typeface="+mj-lt"/>
+              <a:buAutoNum type="arabicPeriod"/>
+            </a:pPr>
+            <a:r>
+              <a:rPr lang="ko-KR" altLang="en-US" sz="2400" dirty="0">
+                <a:latin typeface="에스코어 드림 4 Regular" panose="020B0503030302020204" pitchFamily="34" charset="-127"/>
+                <a:ea typeface="에스코어 드림 4 Regular" panose="020B0503030302020204" pitchFamily="34" charset="-127"/>
+              </a:rPr>
+              <a:t>검찰</a:t>
+            </a:r>
+            <a:r>
+              <a:rPr lang="en-US" altLang="ko-KR" sz="2400" dirty="0">
+                <a:latin typeface="에스코어 드림 4 Regular" panose="020B0503030302020204" pitchFamily="34" charset="-127"/>
+                <a:ea typeface="에스코어 드림 4 Regular" panose="020B0503030302020204" pitchFamily="34" charset="-127"/>
+              </a:rPr>
+              <a:t>/</a:t>
+            </a:r>
+            <a:r>
+              <a:rPr lang="ko-KR" altLang="en-US" sz="2400" dirty="0">
+                <a:latin typeface="에스코어 드림 4 Regular" panose="020B0503030302020204" pitchFamily="34" charset="-127"/>
+                <a:ea typeface="에스코어 드림 4 Regular" panose="020B0503030302020204" pitchFamily="34" charset="-127"/>
+              </a:rPr>
+              <a:t>대검</a:t>
+            </a:r>
+            <a:endParaRPr lang="en-US" altLang="ko-KR" sz="2400" dirty="0">
+              <a:latin typeface="에스코어 드림 4 Regular" panose="020B0503030302020204" pitchFamily="34" charset="-127"/>
+              <a:ea typeface="에스코어 드림 4 Regular" panose="020B0503030302020204" pitchFamily="34" charset="-127"/>
+            </a:endParaRPr>
+          </a:p>
+          <a:p>
+            <a:pPr marL="342900" indent="-342900">
+              <a:buFont typeface="+mj-lt"/>
+              <a:buAutoNum type="arabicPeriod"/>
+            </a:pPr>
+            <a:r>
+              <a:rPr lang="ko-KR" altLang="en-US" sz="2400" dirty="0">
+                <a:latin typeface="에스코어 드림 4 Regular" panose="020B0503030302020204" pitchFamily="34" charset="-127"/>
+                <a:ea typeface="에스코어 드림 4 Regular" panose="020B0503030302020204" pitchFamily="34" charset="-127"/>
+              </a:rPr>
+              <a:t>부동산</a:t>
+            </a:r>
+          </a:p>
+        </p:txBody>
+      </p:sp>
     </p:spTree>
   </p:cSld>
   <p:clrMapOvr>
